--- a/Dokumentumok/Duna Mozi.pptx
+++ b/Dokumentumok/Duna Mozi.pptx
@@ -12,8 +12,8 @@
     <p:sldId id="257" r:id="rId3"/>
     <p:sldId id="258" r:id="rId4"/>
     <p:sldId id="259" r:id="rId5"/>
-    <p:sldId id="260" r:id="rId6"/>
-    <p:sldId id="261" r:id="rId7"/>
+    <p:sldId id="261" r:id="rId6"/>
+    <p:sldId id="260" r:id="rId7"/>
     <p:sldId id="262" r:id="rId8"/>
     <p:sldId id="263" r:id="rId9"/>
     <p:sldId id="264" r:id="rId10"/>
@@ -142,7 +142,8 @@
 <file path=ppt/revisionInfo.xml><?xml version="1.0" encoding="utf-8"?>
 <p1510:revInfo xmlns:a="http://schemas.openxmlformats.org/drawingml/2006/main" xmlns:r="http://schemas.openxmlformats.org/officeDocument/2006/relationships" xmlns:p1510="http://schemas.microsoft.com/office/powerpoint/2015/10/main">
   <p1510:revLst>
-    <p1510:client id="{3B7BB9DC-FD08-41BF-891A-0B2DD310BF9D}" v="19" dt="2024-04-26T20:32:31.171"/>
+    <p1510:client id="{0C122201-24E3-4FA9-9B43-24FE2C6E06A0}" v="18" dt="2024-05-26T14:53:29.939"/>
+    <p1510:client id="{9066EFE5-F8C3-46AD-9843-31C2E6469524}" v="32" dt="2024-05-26T14:49:12.901"/>
   </p1510:revLst>
 </p1510:revInfo>
 </file>
@@ -271,6 +272,30 @@
           <pc:docMk/>
           <pc:sldMk cId="168276118" sldId="268"/>
         </pc:sldMkLst>
+      </pc:sldChg>
+    </pc:docChg>
+  </pc:docChgLst>
+  <pc:docChgLst>
+    <pc:chgData name="Czinege Zoltán" userId="S::czinege.zoltan_19c@bolyai-szakkozep.hu::278bb905-c349-49ac-a1a7-741aaeb30a0c" providerId="AD" clId="Web-{0C122201-24E3-4FA9-9B43-24FE2C6E06A0}"/>
+    <pc:docChg chg="modSld">
+      <pc:chgData name="Czinege Zoltán" userId="S::czinege.zoltan_19c@bolyai-szakkozep.hu::278bb905-c349-49ac-a1a7-741aaeb30a0c" providerId="AD" clId="Web-{0C122201-24E3-4FA9-9B43-24FE2C6E06A0}" dt="2024-05-26T14:53:29.939" v="8" actId="20577"/>
+      <pc:docMkLst>
+        <pc:docMk/>
+      </pc:docMkLst>
+      <pc:sldChg chg="modSp">
+        <pc:chgData name="Czinege Zoltán" userId="S::czinege.zoltan_19c@bolyai-szakkozep.hu::278bb905-c349-49ac-a1a7-741aaeb30a0c" providerId="AD" clId="Web-{0C122201-24E3-4FA9-9B43-24FE2C6E06A0}" dt="2024-05-26T14:53:29.939" v="8" actId="20577"/>
+        <pc:sldMkLst>
+          <pc:docMk/>
+          <pc:sldMk cId="1839736053" sldId="260"/>
+        </pc:sldMkLst>
+        <pc:spChg chg="mod">
+          <ac:chgData name="Czinege Zoltán" userId="S::czinege.zoltan_19c@bolyai-szakkozep.hu::278bb905-c349-49ac-a1a7-741aaeb30a0c" providerId="AD" clId="Web-{0C122201-24E3-4FA9-9B43-24FE2C6E06A0}" dt="2024-05-26T14:53:29.939" v="8" actId="20577"/>
+          <ac:spMkLst>
+            <pc:docMk/>
+            <pc:sldMk cId="1839736053" sldId="260"/>
+            <ac:spMk id="4" creationId="{DF80E3B6-415B-47AC-9DEB-12EAF3E730BF}"/>
+          </ac:spMkLst>
+        </pc:spChg>
       </pc:sldChg>
     </pc:docChg>
   </pc:docChgLst>
@@ -709,6 +734,92 @@
     </pc:docChg>
   </pc:docChgLst>
   <pc:docChgLst>
+    <pc:chgData name="Czinege Zoltán" userId="S::czinege.zoltan_19c@bolyai-szakkozep.hu::278bb905-c349-49ac-a1a7-741aaeb30a0c" providerId="AD" clId="Web-{9066EFE5-F8C3-46AD-9843-31C2E6469524}"/>
+    <pc:docChg chg="modSld sldOrd">
+      <pc:chgData name="Czinege Zoltán" userId="S::czinege.zoltan_19c@bolyai-szakkozep.hu::278bb905-c349-49ac-a1a7-741aaeb30a0c" providerId="AD" clId="Web-{9066EFE5-F8C3-46AD-9843-31C2E6469524}" dt="2024-05-26T14:49:12.901" v="31"/>
+      <pc:docMkLst>
+        <pc:docMk/>
+      </pc:docMkLst>
+      <pc:sldChg chg="ord">
+        <pc:chgData name="Czinege Zoltán" userId="S::czinege.zoltan_19c@bolyai-szakkozep.hu::278bb905-c349-49ac-a1a7-741aaeb30a0c" providerId="AD" clId="Web-{9066EFE5-F8C3-46AD-9843-31C2E6469524}" dt="2024-05-26T14:49:12.901" v="31"/>
+        <pc:sldMkLst>
+          <pc:docMk/>
+          <pc:sldMk cId="1839736053" sldId="260"/>
+        </pc:sldMkLst>
+      </pc:sldChg>
+      <pc:sldChg chg="addSp delSp modSp">
+        <pc:chgData name="Czinege Zoltán" userId="S::czinege.zoltan_19c@bolyai-szakkozep.hu::278bb905-c349-49ac-a1a7-741aaeb30a0c" providerId="AD" clId="Web-{9066EFE5-F8C3-46AD-9843-31C2E6469524}" dt="2024-05-26T14:48:43.276" v="30" actId="1076"/>
+        <pc:sldMkLst>
+          <pc:docMk/>
+          <pc:sldMk cId="896533812" sldId="261"/>
+        </pc:sldMkLst>
+        <pc:picChg chg="add del mod">
+          <ac:chgData name="Czinege Zoltán" userId="S::czinege.zoltan_19c@bolyai-szakkozep.hu::278bb905-c349-49ac-a1a7-741aaeb30a0c" providerId="AD" clId="Web-{9066EFE5-F8C3-46AD-9843-31C2E6469524}" dt="2024-05-26T14:46:11.037" v="11"/>
+          <ac:picMkLst>
+            <pc:docMk/>
+            <pc:sldMk cId="896533812" sldId="261"/>
+            <ac:picMk id="4" creationId="{119400BD-80B0-42B6-85E6-885ADA28AD3B}"/>
+          </ac:picMkLst>
+        </pc:picChg>
+        <pc:picChg chg="add del mod">
+          <ac:chgData name="Czinege Zoltán" userId="S::czinege.zoltan_19c@bolyai-szakkozep.hu::278bb905-c349-49ac-a1a7-741aaeb30a0c" providerId="AD" clId="Web-{9066EFE5-F8C3-46AD-9843-31C2E6469524}" dt="2024-05-26T14:45:41.661" v="8"/>
+          <ac:picMkLst>
+            <pc:docMk/>
+            <pc:sldMk cId="896533812" sldId="261"/>
+            <ac:picMk id="6" creationId="{5A1BEC98-1CFC-38C6-2035-4B9881AF0E91}"/>
+          </ac:picMkLst>
+        </pc:picChg>
+        <pc:picChg chg="add mod modCrop">
+          <ac:chgData name="Czinege Zoltán" userId="S::czinege.zoltan_19c@bolyai-szakkozep.hu::278bb905-c349-49ac-a1a7-741aaeb30a0c" providerId="AD" clId="Web-{9066EFE5-F8C3-46AD-9843-31C2E6469524}" dt="2024-05-26T14:47:51.977" v="26"/>
+          <ac:picMkLst>
+            <pc:docMk/>
+            <pc:sldMk cId="896533812" sldId="261"/>
+            <ac:picMk id="8" creationId="{87077063-8D5C-CDF6-E9A1-522547A0259C}"/>
+          </ac:picMkLst>
+        </pc:picChg>
+        <pc:picChg chg="add mod">
+          <ac:chgData name="Czinege Zoltán" userId="S::czinege.zoltan_19c@bolyai-szakkozep.hu::278bb905-c349-49ac-a1a7-741aaeb30a0c" providerId="AD" clId="Web-{9066EFE5-F8C3-46AD-9843-31C2E6469524}" dt="2024-05-26T14:47:18.945" v="21" actId="1076"/>
+          <ac:picMkLst>
+            <pc:docMk/>
+            <pc:sldMk cId="896533812" sldId="261"/>
+            <ac:picMk id="9" creationId="{E85A5900-C2AE-0482-7285-B098D62271CF}"/>
+          </ac:picMkLst>
+        </pc:picChg>
+        <pc:picChg chg="add mod">
+          <ac:chgData name="Czinege Zoltán" userId="S::czinege.zoltan_19c@bolyai-szakkozep.hu::278bb905-c349-49ac-a1a7-741aaeb30a0c" providerId="AD" clId="Web-{9066EFE5-F8C3-46AD-9843-31C2E6469524}" dt="2024-05-26T14:48:43.276" v="30" actId="1076"/>
+          <ac:picMkLst>
+            <pc:docMk/>
+            <pc:sldMk cId="896533812" sldId="261"/>
+            <ac:picMk id="10" creationId="{60363632-9B90-7B8A-D5E9-34FDF1E9FB91}"/>
+          </ac:picMkLst>
+        </pc:picChg>
+      </pc:sldChg>
+      <pc:sldChg chg="modSp">
+        <pc:chgData name="Czinege Zoltán" userId="S::czinege.zoltan_19c@bolyai-szakkozep.hu::278bb905-c349-49ac-a1a7-741aaeb30a0c" providerId="AD" clId="Web-{9066EFE5-F8C3-46AD-9843-31C2E6469524}" dt="2024-05-26T14:43:40.674" v="1" actId="14100"/>
+        <pc:sldMkLst>
+          <pc:docMk/>
+          <pc:sldMk cId="383200633" sldId="262"/>
+        </pc:sldMkLst>
+        <pc:spChg chg="mod">
+          <ac:chgData name="Czinege Zoltán" userId="S::czinege.zoltan_19c@bolyai-szakkozep.hu::278bb905-c349-49ac-a1a7-741aaeb30a0c" providerId="AD" clId="Web-{9066EFE5-F8C3-46AD-9843-31C2E6469524}" dt="2024-05-26T14:43:40.674" v="1" actId="14100"/>
+          <ac:spMkLst>
+            <pc:docMk/>
+            <pc:sldMk cId="383200633" sldId="262"/>
+            <ac:spMk id="2" creationId="{559299EF-0DC7-448B-A8C2-593A20EAB2F8}"/>
+          </ac:spMkLst>
+        </pc:spChg>
+        <pc:spChg chg="mod">
+          <ac:chgData name="Czinege Zoltán" userId="S::czinege.zoltan_19c@bolyai-szakkozep.hu::278bb905-c349-49ac-a1a7-741aaeb30a0c" providerId="AD" clId="Web-{9066EFE5-F8C3-46AD-9843-31C2E6469524}" dt="2024-05-26T14:43:36.220" v="0" actId="14100"/>
+          <ac:spMkLst>
+            <pc:docMk/>
+            <pc:sldMk cId="383200633" sldId="262"/>
+            <ac:spMk id="3" creationId="{28F772D3-FD70-4193-BF50-C3CAA75BF639}"/>
+          </ac:spMkLst>
+        </pc:spChg>
+      </pc:sldChg>
+    </pc:docChg>
+  </pc:docChgLst>
+  <pc:docChgLst>
     <pc:chgData name="Czinege Zoltán" userId="S::czinege.zoltan_19c@bolyai-szakkozep.hu::278bb905-c349-49ac-a1a7-741aaeb30a0c" providerId="AD" clId="Web-{86D74381-D3F3-4970-9FFF-FCE0A1D23A6E}"/>
     <pc:docChg chg="modSld">
       <pc:chgData name="Czinege Zoltán" userId="S::czinege.zoltan_19c@bolyai-szakkozep.hu::278bb905-c349-49ac-a1a7-741aaeb30a0c" providerId="AD" clId="Web-{86D74381-D3F3-4970-9FFF-FCE0A1D23A6E}" dt="2024-04-14T12:42:41.409" v="13" actId="1076"/>
@@ -1069,7 +1180,7 @@
           <a:p>
             <a:fld id="{89607B54-8561-4997-B753-9692B919155A}" type="datetimeFigureOut">
               <a:rPr lang="hu-HU" smtClean="0"/>
-              <a:t>2024. 04. 26.</a:t>
+              <a:t>2024. 05. 26.</a:t>
             </a:fld>
             <a:endParaRPr lang="hu-HU"/>
           </a:p>
@@ -1567,7 +1678,7 @@
           <a:p>
             <a:fld id="{4AAD347D-5ACD-4C99-B74B-A9C85AD731AF}" type="datetimeFigureOut">
               <a:rPr lang="en-US" smtClean="0"/>
-              <a:t>4/26/2024</a:t>
+              <a:t>5/26/2024</a:t>
             </a:fld>
             <a:endParaRPr lang="en-US"/>
           </a:p>
@@ -1765,7 +1876,7 @@
           <a:p>
             <a:fld id="{4509A250-FF31-4206-8172-F9D3106AACB1}" type="datetimeFigureOut">
               <a:rPr lang="en-US" smtClean="0"/>
-              <a:t>4/26/2024</a:t>
+              <a:t>5/26/2024</a:t>
             </a:fld>
             <a:endParaRPr lang="en-US"/>
           </a:p>
@@ -1973,7 +2084,7 @@
           <a:p>
             <a:fld id="{4509A250-FF31-4206-8172-F9D3106AACB1}" type="datetimeFigureOut">
               <a:rPr lang="en-US" smtClean="0"/>
-              <a:t>4/26/2024</a:t>
+              <a:t>5/26/2024</a:t>
             </a:fld>
             <a:endParaRPr lang="en-US"/>
           </a:p>
@@ -2171,7 +2282,7 @@
           <a:p>
             <a:fld id="{4509A250-FF31-4206-8172-F9D3106AACB1}" type="datetimeFigureOut">
               <a:rPr lang="en-US" smtClean="0"/>
-              <a:t>4/26/2024</a:t>
+              <a:t>5/26/2024</a:t>
             </a:fld>
             <a:endParaRPr lang="en-US"/>
           </a:p>
@@ -2446,7 +2557,7 @@
           <a:p>
             <a:fld id="{9796027F-7875-4030-9381-8BD8C4F21935}" type="datetimeFigureOut">
               <a:rPr lang="en-US" smtClean="0"/>
-              <a:t>4/26/2024</a:t>
+              <a:t>5/26/2024</a:t>
             </a:fld>
             <a:endParaRPr lang="en-US"/>
           </a:p>
@@ -2711,7 +2822,7 @@
           <a:p>
             <a:fld id="{9796027F-7875-4030-9381-8BD8C4F21935}" type="datetimeFigureOut">
               <a:rPr lang="en-US" smtClean="0"/>
-              <a:t>4/26/2024</a:t>
+              <a:t>5/26/2024</a:t>
             </a:fld>
             <a:endParaRPr lang="en-US"/>
           </a:p>
@@ -3123,7 +3234,7 @@
           <a:p>
             <a:fld id="{9796027F-7875-4030-9381-8BD8C4F21935}" type="datetimeFigureOut">
               <a:rPr lang="en-US" smtClean="0"/>
-              <a:t>4/26/2024</a:t>
+              <a:t>5/26/2024</a:t>
             </a:fld>
             <a:endParaRPr lang="en-US"/>
           </a:p>
@@ -3264,7 +3375,7 @@
           <a:p>
             <a:fld id="{4509A250-FF31-4206-8172-F9D3106AACB1}" type="datetimeFigureOut">
               <a:rPr lang="en-US" smtClean="0"/>
-              <a:t>4/26/2024</a:t>
+              <a:t>5/26/2024</a:t>
             </a:fld>
             <a:endParaRPr lang="en-US"/>
           </a:p>
@@ -3377,7 +3488,7 @@
           <a:p>
             <a:fld id="{4509A250-FF31-4206-8172-F9D3106AACB1}" type="datetimeFigureOut">
               <a:rPr lang="en-US" smtClean="0"/>
-              <a:t>4/26/2024</a:t>
+              <a:t>5/26/2024</a:t>
             </a:fld>
             <a:endParaRPr lang="en-US"/>
           </a:p>
@@ -3688,7 +3799,7 @@
           <a:p>
             <a:fld id="{4509A250-FF31-4206-8172-F9D3106AACB1}" type="datetimeFigureOut">
               <a:rPr lang="en-US" smtClean="0"/>
-              <a:t>4/26/2024</a:t>
+              <a:t>5/26/2024</a:t>
             </a:fld>
             <a:endParaRPr lang="en-US"/>
           </a:p>
@@ -3976,7 +4087,7 @@
           <a:p>
             <a:fld id="{4509A250-FF31-4206-8172-F9D3106AACB1}" type="datetimeFigureOut">
               <a:rPr lang="en-US" smtClean="0"/>
-              <a:t>4/26/2024</a:t>
+              <a:t>5/26/2024</a:t>
             </a:fld>
             <a:endParaRPr lang="en-US"/>
           </a:p>
@@ -4226,7 +4337,7 @@
           <a:p>
             <a:fld id="{4AAD347D-5ACD-4C99-B74B-A9C85AD731AF}" type="datetimeFigureOut">
               <a:rPr lang="en-US" smtClean="0"/>
-              <a:t>4/26/2024</a:t>
+              <a:t>5/26/2024</a:t>
             </a:fld>
             <a:endParaRPr lang="en-US"/>
           </a:p>
@@ -6985,7 +7096,7 @@
           <p:cNvPr id="2" name="Cím 1">
             <a:extLst>
               <a:ext uri="{FF2B5EF4-FFF2-40B4-BE49-F238E27FC236}">
-                <a16:creationId xmlns:a16="http://schemas.microsoft.com/office/drawing/2014/main" id="{DD282A5B-03B8-44E2-AB17-18D2054FBC77}"/>
+                <a16:creationId xmlns:a16="http://schemas.microsoft.com/office/drawing/2014/main" id="{F8770E4C-B46D-4A2B-95D5-F47B7F32D736}"/>
               </a:ext>
             </a:extLst>
           </p:cNvPr>
@@ -6998,8 +7109,8 @@
         </p:nvSpPr>
         <p:spPr>
           <a:xfrm>
-            <a:off x="1705971" y="681037"/>
-            <a:ext cx="2238232" cy="1009651"/>
+            <a:off x="1678674" y="681038"/>
+            <a:ext cx="4417326" cy="1009651"/>
           </a:xfrm>
         </p:spPr>
         <p:txBody>
@@ -7008,7 +7119,7 @@
           <a:p>
             <a:r>
               <a:rPr lang="hu-HU" b="1" dirty="0"/>
-              <a:t>Backend</a:t>
+              <a:t>Frontend</a:t>
             </a:r>
             <a:endParaRPr lang="hu-HU" b="1" dirty="0">
               <a:cs typeface="Calibri Light"/>
@@ -7021,7 +7132,7 @@
           <p:cNvPr id="3" name="Tartalom helye 2">
             <a:extLst>
               <a:ext uri="{FF2B5EF4-FFF2-40B4-BE49-F238E27FC236}">
-                <a16:creationId xmlns:a16="http://schemas.microsoft.com/office/drawing/2014/main" id="{BE0A2BC2-A0CB-4D66-80E8-395DC144965E}"/>
+                <a16:creationId xmlns:a16="http://schemas.microsoft.com/office/drawing/2014/main" id="{D41F132B-7B1B-4064-BD23-C947F9A60E03}"/>
               </a:ext>
             </a:extLst>
           </p:cNvPr>
@@ -7034,8 +7145,8 @@
         </p:nvSpPr>
         <p:spPr>
           <a:xfrm>
-            <a:off x="1705971" y="1825625"/>
-            <a:ext cx="4390030" cy="4247629"/>
+            <a:off x="1678675" y="1825626"/>
+            <a:ext cx="4417326" cy="4247629"/>
           </a:xfrm>
         </p:spPr>
         <p:txBody>
@@ -7044,186 +7155,48 @@
           <a:p>
             <a:r>
               <a:rPr lang="hu-HU"/>
-              <a:t>NodeJS</a:t>
-            </a:r>
-          </a:p>
-          <a:p>
-            <a:r>
-              <a:rPr lang="hu-HU"/>
-              <a:t>REST API</a:t>
-            </a:r>
-          </a:p>
-          <a:p>
-            <a:r>
-              <a:rPr lang="hu-HU"/>
-              <a:t>Authentication</a:t>
+              <a:t>HTML</a:t>
+            </a:r>
+          </a:p>
+          <a:p>
+            <a:r>
+              <a:rPr lang="hu-HU"/>
+              <a:t>CSS</a:t>
+            </a:r>
+          </a:p>
+          <a:p>
+            <a:r>
+              <a:rPr lang="hu-HU"/>
+              <a:t>JavaScript</a:t>
+            </a:r>
+          </a:p>
+          <a:p>
+            <a:r>
+              <a:rPr lang="hu-HU"/>
+              <a:t>Bootstrap</a:t>
+            </a:r>
+          </a:p>
+          <a:p>
+            <a:r>
+              <a:rPr lang="hu-HU"/>
+              <a:t>Modules</a:t>
             </a:r>
           </a:p>
           <a:p>
             <a:pPr lvl="1"/>
             <a:r>
               <a:rPr lang="hu-HU"/>
-              <a:t>Jasonwebtoken</a:t>
-            </a:r>
-          </a:p>
-          <a:p>
-            <a:pPr lvl="1"/>
-            <a:r>
-              <a:rPr lang="hu-HU"/>
-              <a:t>Roles</a:t>
-            </a:r>
-          </a:p>
-        </p:txBody>
-      </p:sp>
-      <p:sp>
-        <p:nvSpPr>
-          <p:cNvPr id="4" name="Téglalap 3">
-            <a:extLst>
-              <a:ext uri="{FF2B5EF4-FFF2-40B4-BE49-F238E27FC236}">
-                <a16:creationId xmlns:a16="http://schemas.microsoft.com/office/drawing/2014/main" id="{DF80E3B6-415B-47AC-9DEB-12EAF3E730BF}"/>
-              </a:ext>
-            </a:extLst>
-          </p:cNvPr>
-          <p:cNvSpPr/>
-          <p:nvPr/>
-        </p:nvSpPr>
-        <p:spPr>
-          <a:xfrm>
-            <a:off x="4612945" y="805217"/>
-            <a:ext cx="4612943" cy="4832092"/>
-          </a:xfrm>
-          <a:prstGeom prst="rect">
-            <a:avLst/>
-          </a:prstGeom>
-        </p:spPr>
-        <p:txBody>
-          <a:bodyPr wrap="square">
-            <a:spAutoFit/>
-          </a:bodyPr>
-          <a:lstStyle/>
-          <a:p>
-            <a:pPr marL="457200" indent="-457200">
-              <a:buFont typeface="Arial" panose="020B0604020202020204" pitchFamily="34" charset="0"/>
-              <a:buChar char="•"/>
-            </a:pPr>
-            <a:r>
-              <a:rPr lang="hu-HU" sz="2800"/>
-              <a:t>Modules</a:t>
-            </a:r>
-          </a:p>
-          <a:p>
-            <a:pPr marL="914400" lvl="1" indent="-457200">
-              <a:buFont typeface="Arial" panose="020B0604020202020204" pitchFamily="34" charset="0"/>
-              <a:buChar char="•"/>
-            </a:pPr>
-            <a:r>
-              <a:rPr lang="hu-HU" sz="2800"/>
-              <a:t>Bcryptjs</a:t>
-            </a:r>
-          </a:p>
-          <a:p>
-            <a:pPr marL="914400" lvl="1" indent="-457200">
-              <a:buFont typeface="Arial" panose="020B0604020202020204" pitchFamily="34" charset="0"/>
-              <a:buChar char="•"/>
-            </a:pPr>
-            <a:r>
-              <a:rPr lang="hu-HU" sz="2800"/>
-              <a:t>Cors</a:t>
-            </a:r>
-          </a:p>
-          <a:p>
-            <a:pPr marL="914400" lvl="1" indent="-457200">
-              <a:buFont typeface="Arial" panose="020B0604020202020204" pitchFamily="34" charset="0"/>
-              <a:buChar char="•"/>
-            </a:pPr>
-            <a:r>
-              <a:rPr lang="hu-HU" sz="2800"/>
-              <a:t>Dotenv</a:t>
-            </a:r>
-          </a:p>
-          <a:p>
-            <a:pPr marL="914400" lvl="1" indent="-457200">
-              <a:buFont typeface="Arial" panose="020B0604020202020204" pitchFamily="34" charset="0"/>
-              <a:buChar char="•"/>
-            </a:pPr>
-            <a:r>
-              <a:rPr lang="hu-HU" sz="2800"/>
-              <a:t>Email-</a:t>
-            </a:r>
-            <a:r>
-              <a:rPr lang="hu-HU" sz="2800" err="1"/>
-              <a:t>validator</a:t>
-            </a:r>
-            <a:endParaRPr lang="hu-HU" sz="2800"/>
-          </a:p>
-          <a:p>
-            <a:pPr marL="914400" lvl="1" indent="-457200">
-              <a:buFont typeface="Arial" panose="020B0604020202020204" pitchFamily="34" charset="0"/>
-              <a:buChar char="•"/>
-            </a:pPr>
-            <a:r>
-              <a:rPr lang="hu-HU" sz="2800"/>
-              <a:t>Express</a:t>
-            </a:r>
-          </a:p>
-          <a:p>
-            <a:pPr marL="914400" lvl="1" indent="-457200">
-              <a:buFont typeface="Arial" panose="020B0604020202020204" pitchFamily="34" charset="0"/>
-              <a:buChar char="•"/>
-            </a:pPr>
-            <a:r>
-              <a:rPr lang="hu-HU" sz="2800"/>
-              <a:t>Express-session</a:t>
-            </a:r>
-          </a:p>
-          <a:p>
-            <a:pPr marL="914400" lvl="1" indent="-457200">
-              <a:buFont typeface="Arial" panose="020B0604020202020204" pitchFamily="34" charset="0"/>
-              <a:buChar char="•"/>
-            </a:pPr>
-            <a:r>
-              <a:rPr lang="hu-HU" sz="2800"/>
-              <a:t>Jsonwebtoken</a:t>
-            </a:r>
-          </a:p>
-          <a:p>
-            <a:pPr marL="914400" lvl="1" indent="-457200">
-              <a:buFont typeface="Arial" panose="020B0604020202020204" pitchFamily="34" charset="0"/>
-              <a:buChar char="•"/>
-            </a:pPr>
-            <a:r>
-              <a:rPr lang="hu-HU" sz="2800"/>
-              <a:t>Mysql2</a:t>
-            </a:r>
-          </a:p>
-          <a:p>
-            <a:pPr marL="914400" lvl="1" indent="-457200">
-              <a:buFont typeface="Arial" panose="020B0604020202020204" pitchFamily="34" charset="0"/>
-              <a:buChar char="•"/>
-            </a:pPr>
-            <a:r>
-              <a:rPr lang="hu-HU" sz="2800"/>
-              <a:t>Nodemailer</a:t>
-            </a:r>
-          </a:p>
-          <a:p>
-            <a:pPr marL="914400" lvl="1" indent="-457200">
-              <a:buFont typeface="Arial" panose="020B0604020202020204" pitchFamily="34" charset="0"/>
-              <a:buChar char="•"/>
-            </a:pPr>
-            <a:r>
-              <a:rPr lang="hu-HU" sz="2800"/>
-              <a:t>Nodemon</a:t>
-            </a:r>
-          </a:p>
-        </p:txBody>
-      </p:sp>
-      <p:sp>
-        <p:nvSpPr>
-          <p:cNvPr id="6" name="Téglalap 5">
-            <a:extLst>
-              <a:ext uri="{FF2B5EF4-FFF2-40B4-BE49-F238E27FC236}">
-                <a16:creationId xmlns:a16="http://schemas.microsoft.com/office/drawing/2014/main" id="{210697C1-1A7B-D141-7EA6-EB72A61F1231}"/>
+              <a:t>Cypress</a:t>
+            </a:r>
+          </a:p>
+        </p:txBody>
+      </p:sp>
+      <p:sp>
+        <p:nvSpPr>
+          <p:cNvPr id="5" name="Téglalap 4">
+            <a:extLst>
+              <a:ext uri="{FF2B5EF4-FFF2-40B4-BE49-F238E27FC236}">
+                <a16:creationId xmlns:a16="http://schemas.microsoft.com/office/drawing/2014/main" id="{811D03A1-6F60-1063-205B-2FD808A12771}"/>
               </a:ext>
             </a:extLst>
           </p:cNvPr>
@@ -7274,6 +7247,510 @@
       </p:sp>
       <p:sp>
         <p:nvSpPr>
+          <p:cNvPr id="7" name="Téglalap 6">
+            <a:extLst>
+              <a:ext uri="{FF2B5EF4-FFF2-40B4-BE49-F238E27FC236}">
+                <a16:creationId xmlns:a16="http://schemas.microsoft.com/office/drawing/2014/main" id="{F8379A31-8A87-6C6A-D7F4-CE0AF61E91E7}"/>
+              </a:ext>
+            </a:extLst>
+          </p:cNvPr>
+          <p:cNvSpPr/>
+          <p:nvPr/>
+        </p:nvSpPr>
+        <p:spPr>
+          <a:xfrm>
+            <a:off x="1524000" y="6546027"/>
+            <a:ext cx="9059332" cy="376295"/>
+          </a:xfrm>
+          <a:prstGeom prst="rect">
+            <a:avLst/>
+          </a:prstGeom>
+          <a:solidFill>
+            <a:srgbClr val="201E1F"/>
+          </a:solidFill>
+          <a:ln>
+            <a:solidFill>
+              <a:srgbClr val="201E1F"/>
+            </a:solidFill>
+          </a:ln>
+        </p:spPr>
+        <p:style>
+          <a:lnRef idx="2">
+            <a:schemeClr val="accent1">
+              <a:shade val="15000"/>
+            </a:schemeClr>
+          </a:lnRef>
+          <a:fillRef idx="1">
+            <a:schemeClr val="accent1"/>
+          </a:fillRef>
+          <a:effectRef idx="0">
+            <a:schemeClr val="accent1"/>
+          </a:effectRef>
+          <a:fontRef idx="minor">
+            <a:schemeClr val="lt1"/>
+          </a:fontRef>
+        </p:style>
+        <p:txBody>
+          <a:bodyPr rtlCol="0" anchor="ctr"/>
+          <a:lstStyle/>
+          <a:p>
+            <a:pPr algn="ctr"/>
+            <a:endParaRPr lang="hu-HU"/>
+          </a:p>
+        </p:txBody>
+      </p:sp>
+      <p:pic>
+        <p:nvPicPr>
+          <p:cNvPr id="8" name="Kép 7" descr="What's New Since CSS3 in 2015? | CSS-Tricks - CSS-Tricks">
+            <a:extLst>
+              <a:ext uri="{FF2B5EF4-FFF2-40B4-BE49-F238E27FC236}">
+                <a16:creationId xmlns:a16="http://schemas.microsoft.com/office/drawing/2014/main" id="{87077063-8D5C-CDF6-E9A1-522547A0259C}"/>
+              </a:ext>
+            </a:extLst>
+          </p:cNvPr>
+          <p:cNvPicPr>
+            <a:picLocks noChangeAspect="1"/>
+          </p:cNvPicPr>
+          <p:nvPr/>
+        </p:nvPicPr>
+        <p:blipFill rotWithShape="1">
+          <a:blip r:embed="rId2"/>
+          <a:srcRect l="9091" r="8158"/>
+          <a:stretch/>
+        </p:blipFill>
+        <p:spPr>
+          <a:xfrm>
+            <a:off x="5720776" y="904240"/>
+            <a:ext cx="3705392" cy="2174240"/>
+          </a:xfrm>
+          <a:prstGeom prst="rect">
+            <a:avLst/>
+          </a:prstGeom>
+        </p:spPr>
+      </p:pic>
+      <p:pic>
+        <p:nvPicPr>
+          <p:cNvPr id="9" name="Kép 8" descr="Introduction to JavaScript - JBSTechInfo | A Technology Driven Group">
+            <a:extLst>
+              <a:ext uri="{FF2B5EF4-FFF2-40B4-BE49-F238E27FC236}">
+                <a16:creationId xmlns:a16="http://schemas.microsoft.com/office/drawing/2014/main" id="{E85A5900-C2AE-0482-7285-B098D62271CF}"/>
+              </a:ext>
+            </a:extLst>
+          </p:cNvPr>
+          <p:cNvPicPr>
+            <a:picLocks noChangeAspect="1"/>
+          </p:cNvPicPr>
+          <p:nvPr/>
+        </p:nvPicPr>
+        <p:blipFill>
+          <a:blip r:embed="rId3"/>
+          <a:stretch>
+            <a:fillRect/>
+          </a:stretch>
+        </p:blipFill>
+        <p:spPr>
+          <a:xfrm>
+            <a:off x="4567824" y="3429913"/>
+            <a:ext cx="3995802" cy="2179789"/>
+          </a:xfrm>
+          <a:prstGeom prst="rect">
+            <a:avLst/>
+          </a:prstGeom>
+        </p:spPr>
+      </p:pic>
+      <p:pic>
+        <p:nvPicPr>
+          <p:cNvPr id="10" name="Kép 9" descr="Bootstrap · The most popular HTML, CSS, and JS library in the world.">
+            <a:extLst>
+              <a:ext uri="{FF2B5EF4-FFF2-40B4-BE49-F238E27FC236}">
+                <a16:creationId xmlns:a16="http://schemas.microsoft.com/office/drawing/2014/main" id="{60363632-9B90-7B8A-D5E9-34FDF1E9FB91}"/>
+              </a:ext>
+            </a:extLst>
+          </p:cNvPr>
+          <p:cNvPicPr>
+            <a:picLocks noChangeAspect="1"/>
+          </p:cNvPicPr>
+          <p:nvPr/>
+        </p:nvPicPr>
+        <p:blipFill>
+          <a:blip r:embed="rId4"/>
+          <a:stretch>
+            <a:fillRect/>
+          </a:stretch>
+        </p:blipFill>
+        <p:spPr>
+          <a:xfrm>
+            <a:off x="7574071" y="3665371"/>
+            <a:ext cx="2461365" cy="2074216"/>
+          </a:xfrm>
+          <a:prstGeom prst="rect">
+            <a:avLst/>
+          </a:prstGeom>
+        </p:spPr>
+      </p:pic>
+    </p:spTree>
+    <p:extLst>
+      <p:ext uri="{BB962C8B-B14F-4D97-AF65-F5344CB8AC3E}">
+        <p14:creationId xmlns:p14="http://schemas.microsoft.com/office/powerpoint/2010/main" val="896533812"/>
+      </p:ext>
+    </p:extLst>
+  </p:cSld>
+  <p:clrMapOvr>
+    <a:masterClrMapping/>
+  </p:clrMapOvr>
+  <p:transition spd="slow">
+    <p:push dir="u"/>
+  </p:transition>
+</p:sld>
+</file>
+
+<file path=ppt/slides/slide6.xml><?xml version="1.0" encoding="utf-8"?>
+<p:sld xmlns:a="http://schemas.openxmlformats.org/drawingml/2006/main" xmlns:r="http://schemas.openxmlformats.org/officeDocument/2006/relationships" xmlns:p="http://schemas.openxmlformats.org/presentationml/2006/main">
+  <p:cSld>
+    <p:spTree>
+      <p:nvGrpSpPr>
+        <p:cNvPr id="1" name=""/>
+        <p:cNvGrpSpPr/>
+        <p:nvPr/>
+      </p:nvGrpSpPr>
+      <p:grpSpPr>
+        <a:xfrm>
+          <a:off x="0" y="0"/>
+          <a:ext cx="0" cy="0"/>
+          <a:chOff x="0" y="0"/>
+          <a:chExt cx="0" cy="0"/>
+        </a:xfrm>
+      </p:grpSpPr>
+      <p:sp>
+        <p:nvSpPr>
+          <p:cNvPr id="2" name="Cím 1">
+            <a:extLst>
+              <a:ext uri="{FF2B5EF4-FFF2-40B4-BE49-F238E27FC236}">
+                <a16:creationId xmlns:a16="http://schemas.microsoft.com/office/drawing/2014/main" id="{DD282A5B-03B8-44E2-AB17-18D2054FBC77}"/>
+              </a:ext>
+            </a:extLst>
+          </p:cNvPr>
+          <p:cNvSpPr>
+            <a:spLocks noGrp="1"/>
+          </p:cNvSpPr>
+          <p:nvPr>
+            <p:ph type="title"/>
+          </p:nvPr>
+        </p:nvSpPr>
+        <p:spPr>
+          <a:xfrm>
+            <a:off x="1705971" y="681037"/>
+            <a:ext cx="2238232" cy="1009651"/>
+          </a:xfrm>
+        </p:spPr>
+        <p:txBody>
+          <a:bodyPr/>
+          <a:lstStyle/>
+          <a:p>
+            <a:r>
+              <a:rPr lang="hu-HU" b="1" dirty="0"/>
+              <a:t>Backend</a:t>
+            </a:r>
+            <a:endParaRPr lang="hu-HU" b="1" dirty="0">
+              <a:cs typeface="Calibri Light"/>
+            </a:endParaRPr>
+          </a:p>
+        </p:txBody>
+      </p:sp>
+      <p:sp>
+        <p:nvSpPr>
+          <p:cNvPr id="3" name="Tartalom helye 2">
+            <a:extLst>
+              <a:ext uri="{FF2B5EF4-FFF2-40B4-BE49-F238E27FC236}">
+                <a16:creationId xmlns:a16="http://schemas.microsoft.com/office/drawing/2014/main" id="{BE0A2BC2-A0CB-4D66-80E8-395DC144965E}"/>
+              </a:ext>
+            </a:extLst>
+          </p:cNvPr>
+          <p:cNvSpPr>
+            <a:spLocks noGrp="1"/>
+          </p:cNvSpPr>
+          <p:nvPr>
+            <p:ph idx="1"/>
+          </p:nvPr>
+        </p:nvSpPr>
+        <p:spPr>
+          <a:xfrm>
+            <a:off x="1705971" y="1825625"/>
+            <a:ext cx="4390030" cy="4247629"/>
+          </a:xfrm>
+        </p:spPr>
+        <p:txBody>
+          <a:bodyPr/>
+          <a:lstStyle/>
+          <a:p>
+            <a:r>
+              <a:rPr lang="hu-HU"/>
+              <a:t>NodeJS</a:t>
+            </a:r>
+          </a:p>
+          <a:p>
+            <a:r>
+              <a:rPr lang="hu-HU"/>
+              <a:t>REST API</a:t>
+            </a:r>
+          </a:p>
+          <a:p>
+            <a:r>
+              <a:rPr lang="hu-HU"/>
+              <a:t>Authentication</a:t>
+            </a:r>
+          </a:p>
+          <a:p>
+            <a:pPr lvl="1"/>
+            <a:r>
+              <a:rPr lang="hu-HU"/>
+              <a:t>Jasonwebtoken</a:t>
+            </a:r>
+          </a:p>
+          <a:p>
+            <a:pPr lvl="1"/>
+            <a:r>
+              <a:rPr lang="hu-HU"/>
+              <a:t>Roles</a:t>
+            </a:r>
+          </a:p>
+        </p:txBody>
+      </p:sp>
+      <p:sp>
+        <p:nvSpPr>
+          <p:cNvPr id="4" name="Téglalap 3">
+            <a:extLst>
+              <a:ext uri="{FF2B5EF4-FFF2-40B4-BE49-F238E27FC236}">
+                <a16:creationId xmlns:a16="http://schemas.microsoft.com/office/drawing/2014/main" id="{DF80E3B6-415B-47AC-9DEB-12EAF3E730BF}"/>
+              </a:ext>
+            </a:extLst>
+          </p:cNvPr>
+          <p:cNvSpPr/>
+          <p:nvPr/>
+        </p:nvSpPr>
+        <p:spPr>
+          <a:xfrm>
+            <a:off x="4612945" y="805217"/>
+            <a:ext cx="4612943" cy="4832092"/>
+          </a:xfrm>
+          <a:prstGeom prst="rect">
+            <a:avLst/>
+          </a:prstGeom>
+        </p:spPr>
+        <p:txBody>
+          <a:bodyPr wrap="square" lIns="91440" tIns="45720" rIns="91440" bIns="45720" anchor="t">
+            <a:spAutoFit/>
+          </a:bodyPr>
+          <a:lstStyle/>
+          <a:p>
+            <a:pPr marL="457200" indent="-457200">
+              <a:buFont typeface="Arial" panose="020B0604020202020204" pitchFamily="34" charset="0"/>
+              <a:buChar char="•"/>
+            </a:pPr>
+            <a:r>
+              <a:rPr lang="hu-HU" sz="2800" dirty="0" err="1"/>
+              <a:t>Modules</a:t>
+            </a:r>
+            <a:endParaRPr lang="hu-HU" sz="2800" dirty="0" err="1">
+              <a:ea typeface="Calibri"/>
+              <a:cs typeface="Calibri"/>
+            </a:endParaRPr>
+          </a:p>
+          <a:p>
+            <a:pPr marL="914400" lvl="1" indent="-457200">
+              <a:buFont typeface="Arial" panose="020B0604020202020204" pitchFamily="34" charset="0"/>
+              <a:buChar char="•"/>
+            </a:pPr>
+            <a:r>
+              <a:rPr lang="hu-HU" sz="2800" dirty="0" err="1"/>
+              <a:t>Bcryptjs</a:t>
+            </a:r>
+            <a:endParaRPr lang="hu-HU" sz="2800" dirty="0" err="1">
+              <a:ea typeface="Calibri"/>
+              <a:cs typeface="Calibri"/>
+            </a:endParaRPr>
+          </a:p>
+          <a:p>
+            <a:pPr marL="914400" lvl="1" indent="-457200">
+              <a:buFont typeface="Arial" panose="020B0604020202020204" pitchFamily="34" charset="0"/>
+              <a:buChar char="•"/>
+            </a:pPr>
+            <a:r>
+              <a:rPr lang="hu-HU" sz="2800" dirty="0" err="1"/>
+              <a:t>Cors</a:t>
+            </a:r>
+            <a:endParaRPr lang="hu-HU" sz="2800" dirty="0" err="1">
+              <a:ea typeface="Calibri"/>
+              <a:cs typeface="Calibri"/>
+            </a:endParaRPr>
+          </a:p>
+          <a:p>
+            <a:pPr marL="914400" lvl="1" indent="-457200">
+              <a:buFont typeface="Arial" panose="020B0604020202020204" pitchFamily="34" charset="0"/>
+              <a:buChar char="•"/>
+            </a:pPr>
+            <a:r>
+              <a:rPr lang="hu-HU" sz="2800" dirty="0" err="1"/>
+              <a:t>Dotenv</a:t>
+            </a:r>
+            <a:endParaRPr lang="hu-HU" sz="2800" dirty="0" err="1">
+              <a:ea typeface="Calibri"/>
+              <a:cs typeface="Calibri"/>
+            </a:endParaRPr>
+          </a:p>
+          <a:p>
+            <a:pPr marL="914400" lvl="1" indent="-457200">
+              <a:buFont typeface="Arial" panose="020B0604020202020204" pitchFamily="34" charset="0"/>
+              <a:buChar char="•"/>
+            </a:pPr>
+            <a:r>
+              <a:rPr lang="hu-HU" sz="2800" dirty="0"/>
+              <a:t>Email-</a:t>
+            </a:r>
+            <a:r>
+              <a:rPr lang="hu-HU" sz="2800" dirty="0" err="1"/>
+              <a:t>validator</a:t>
+            </a:r>
+            <a:endParaRPr lang="hu-HU" sz="2800" dirty="0"/>
+          </a:p>
+          <a:p>
+            <a:pPr marL="914400" lvl="1" indent="-457200">
+              <a:buFont typeface="Arial" panose="020B0604020202020204" pitchFamily="34" charset="0"/>
+              <a:buChar char="•"/>
+            </a:pPr>
+            <a:r>
+              <a:rPr lang="hu-HU" sz="2800" dirty="0"/>
+              <a:t>Express</a:t>
+            </a:r>
+            <a:endParaRPr lang="hu-HU" sz="2800" dirty="0">
+              <a:ea typeface="Calibri"/>
+              <a:cs typeface="Calibri"/>
+            </a:endParaRPr>
+          </a:p>
+          <a:p>
+            <a:pPr marL="914400" lvl="1" indent="-457200">
+              <a:buFont typeface="Arial" panose="020B0604020202020204" pitchFamily="34" charset="0"/>
+              <a:buChar char="•"/>
+            </a:pPr>
+            <a:r>
+              <a:rPr lang="hu-HU" sz="2800" dirty="0"/>
+              <a:t>Express-session</a:t>
+            </a:r>
+            <a:endParaRPr lang="hu-HU" sz="2800" dirty="0">
+              <a:ea typeface="Calibri"/>
+              <a:cs typeface="Calibri"/>
+            </a:endParaRPr>
+          </a:p>
+          <a:p>
+            <a:pPr marL="914400" lvl="1" indent="-457200">
+              <a:buFont typeface="Arial" panose="020B0604020202020204" pitchFamily="34" charset="0"/>
+              <a:buChar char="•"/>
+            </a:pPr>
+            <a:r>
+              <a:rPr lang="hu-HU" sz="2800"/>
+              <a:t>JSON Web Token</a:t>
+            </a:r>
+          </a:p>
+          <a:p>
+            <a:pPr marL="914400" lvl="1" indent="-457200">
+              <a:buFont typeface="Arial" panose="020B0604020202020204" pitchFamily="34" charset="0"/>
+              <a:buChar char="•"/>
+            </a:pPr>
+            <a:r>
+              <a:rPr lang="hu-HU" sz="2800" dirty="0"/>
+              <a:t>Mysql2</a:t>
+            </a:r>
+            <a:endParaRPr lang="hu-HU" sz="2800" dirty="0">
+              <a:ea typeface="Calibri"/>
+              <a:cs typeface="Calibri"/>
+            </a:endParaRPr>
+          </a:p>
+          <a:p>
+            <a:pPr marL="914400" lvl="1" indent="-457200">
+              <a:buFont typeface="Arial" panose="020B0604020202020204" pitchFamily="34" charset="0"/>
+              <a:buChar char="•"/>
+            </a:pPr>
+            <a:r>
+              <a:rPr lang="hu-HU" sz="2800" dirty="0" err="1"/>
+              <a:t>Nodemailer</a:t>
+            </a:r>
+            <a:endParaRPr lang="hu-HU" sz="2800" dirty="0" err="1">
+              <a:ea typeface="Calibri"/>
+              <a:cs typeface="Calibri"/>
+            </a:endParaRPr>
+          </a:p>
+          <a:p>
+            <a:pPr marL="914400" lvl="1" indent="-457200">
+              <a:buFont typeface="Arial" panose="020B0604020202020204" pitchFamily="34" charset="0"/>
+              <a:buChar char="•"/>
+            </a:pPr>
+            <a:r>
+              <a:rPr lang="hu-HU" sz="2800" dirty="0" err="1"/>
+              <a:t>Nodemon</a:t>
+            </a:r>
+            <a:endParaRPr lang="hu-HU" sz="2800" dirty="0" err="1">
+              <a:ea typeface="Calibri"/>
+              <a:cs typeface="Calibri"/>
+            </a:endParaRPr>
+          </a:p>
+        </p:txBody>
+      </p:sp>
+      <p:sp>
+        <p:nvSpPr>
+          <p:cNvPr id="6" name="Téglalap 5">
+            <a:extLst>
+              <a:ext uri="{FF2B5EF4-FFF2-40B4-BE49-F238E27FC236}">
+                <a16:creationId xmlns:a16="http://schemas.microsoft.com/office/drawing/2014/main" id="{210697C1-1A7B-D141-7EA6-EB72A61F1231}"/>
+              </a:ext>
+            </a:extLst>
+          </p:cNvPr>
+          <p:cNvSpPr/>
+          <p:nvPr/>
+        </p:nvSpPr>
+        <p:spPr>
+          <a:xfrm>
+            <a:off x="1524000" y="-188148"/>
+            <a:ext cx="9059332" cy="376295"/>
+          </a:xfrm>
+          <a:prstGeom prst="rect">
+            <a:avLst/>
+          </a:prstGeom>
+          <a:solidFill>
+            <a:srgbClr val="201E1F"/>
+          </a:solidFill>
+          <a:ln>
+            <a:solidFill>
+              <a:srgbClr val="201E1F"/>
+            </a:solidFill>
+          </a:ln>
+        </p:spPr>
+        <p:style>
+          <a:lnRef idx="2">
+            <a:schemeClr val="accent1">
+              <a:shade val="15000"/>
+            </a:schemeClr>
+          </a:lnRef>
+          <a:fillRef idx="1">
+            <a:schemeClr val="accent1"/>
+          </a:fillRef>
+          <a:effectRef idx="0">
+            <a:schemeClr val="accent1"/>
+          </a:effectRef>
+          <a:fontRef idx="minor">
+            <a:schemeClr val="lt1"/>
+          </a:fontRef>
+        </p:style>
+        <p:txBody>
+          <a:bodyPr rtlCol="0" anchor="ctr"/>
+          <a:lstStyle/>
+          <a:p>
+            <a:pPr algn="ctr"/>
+            <a:endParaRPr lang="hu-HU"/>
+          </a:p>
+        </p:txBody>
+      </p:sp>
+      <p:sp>
+        <p:nvSpPr>
           <p:cNvPr id="8" name="Téglalap 7">
             <a:extLst>
               <a:ext uri="{FF2B5EF4-FFF2-40B4-BE49-F238E27FC236}">
@@ -7342,247 +7819,6 @@
 </p:sld>
 </file>
 
-<file path=ppt/slides/slide6.xml><?xml version="1.0" encoding="utf-8"?>
-<p:sld xmlns:a="http://schemas.openxmlformats.org/drawingml/2006/main" xmlns:r="http://schemas.openxmlformats.org/officeDocument/2006/relationships" xmlns:p="http://schemas.openxmlformats.org/presentationml/2006/main">
-  <p:cSld>
-    <p:spTree>
-      <p:nvGrpSpPr>
-        <p:cNvPr id="1" name=""/>
-        <p:cNvGrpSpPr/>
-        <p:nvPr/>
-      </p:nvGrpSpPr>
-      <p:grpSpPr>
-        <a:xfrm>
-          <a:off x="0" y="0"/>
-          <a:ext cx="0" cy="0"/>
-          <a:chOff x="0" y="0"/>
-          <a:chExt cx="0" cy="0"/>
-        </a:xfrm>
-      </p:grpSpPr>
-      <p:sp>
-        <p:nvSpPr>
-          <p:cNvPr id="2" name="Cím 1">
-            <a:extLst>
-              <a:ext uri="{FF2B5EF4-FFF2-40B4-BE49-F238E27FC236}">
-                <a16:creationId xmlns:a16="http://schemas.microsoft.com/office/drawing/2014/main" id="{F8770E4C-B46D-4A2B-95D5-F47B7F32D736}"/>
-              </a:ext>
-            </a:extLst>
-          </p:cNvPr>
-          <p:cNvSpPr>
-            <a:spLocks noGrp="1"/>
-          </p:cNvSpPr>
-          <p:nvPr>
-            <p:ph type="title"/>
-          </p:nvPr>
-        </p:nvSpPr>
-        <p:spPr>
-          <a:xfrm>
-            <a:off x="1678674" y="681038"/>
-            <a:ext cx="4417326" cy="1009651"/>
-          </a:xfrm>
-        </p:spPr>
-        <p:txBody>
-          <a:bodyPr/>
-          <a:lstStyle/>
-          <a:p>
-            <a:r>
-              <a:rPr lang="hu-HU" b="1" dirty="0"/>
-              <a:t>Frontend</a:t>
-            </a:r>
-            <a:endParaRPr lang="hu-HU" b="1" dirty="0">
-              <a:cs typeface="Calibri Light"/>
-            </a:endParaRPr>
-          </a:p>
-        </p:txBody>
-      </p:sp>
-      <p:sp>
-        <p:nvSpPr>
-          <p:cNvPr id="3" name="Tartalom helye 2">
-            <a:extLst>
-              <a:ext uri="{FF2B5EF4-FFF2-40B4-BE49-F238E27FC236}">
-                <a16:creationId xmlns:a16="http://schemas.microsoft.com/office/drawing/2014/main" id="{D41F132B-7B1B-4064-BD23-C947F9A60E03}"/>
-              </a:ext>
-            </a:extLst>
-          </p:cNvPr>
-          <p:cNvSpPr>
-            <a:spLocks noGrp="1"/>
-          </p:cNvSpPr>
-          <p:nvPr>
-            <p:ph idx="1"/>
-          </p:nvPr>
-        </p:nvSpPr>
-        <p:spPr>
-          <a:xfrm>
-            <a:off x="1678675" y="1825626"/>
-            <a:ext cx="4417326" cy="4247629"/>
-          </a:xfrm>
-        </p:spPr>
-        <p:txBody>
-          <a:bodyPr/>
-          <a:lstStyle/>
-          <a:p>
-            <a:r>
-              <a:rPr lang="hu-HU"/>
-              <a:t>HTML</a:t>
-            </a:r>
-          </a:p>
-          <a:p>
-            <a:r>
-              <a:rPr lang="hu-HU"/>
-              <a:t>CSS</a:t>
-            </a:r>
-          </a:p>
-          <a:p>
-            <a:r>
-              <a:rPr lang="hu-HU"/>
-              <a:t>JavaScript</a:t>
-            </a:r>
-          </a:p>
-          <a:p>
-            <a:r>
-              <a:rPr lang="hu-HU"/>
-              <a:t>Bootstrap</a:t>
-            </a:r>
-          </a:p>
-          <a:p>
-            <a:r>
-              <a:rPr lang="hu-HU"/>
-              <a:t>Modules</a:t>
-            </a:r>
-          </a:p>
-          <a:p>
-            <a:pPr lvl="1"/>
-            <a:r>
-              <a:rPr lang="hu-HU"/>
-              <a:t>Cypress</a:t>
-            </a:r>
-          </a:p>
-        </p:txBody>
-      </p:sp>
-      <p:sp>
-        <p:nvSpPr>
-          <p:cNvPr id="5" name="Téglalap 4">
-            <a:extLst>
-              <a:ext uri="{FF2B5EF4-FFF2-40B4-BE49-F238E27FC236}">
-                <a16:creationId xmlns:a16="http://schemas.microsoft.com/office/drawing/2014/main" id="{811D03A1-6F60-1063-205B-2FD808A12771}"/>
-              </a:ext>
-            </a:extLst>
-          </p:cNvPr>
-          <p:cNvSpPr/>
-          <p:nvPr/>
-        </p:nvSpPr>
-        <p:spPr>
-          <a:xfrm>
-            <a:off x="1524000" y="-188148"/>
-            <a:ext cx="9059332" cy="376295"/>
-          </a:xfrm>
-          <a:prstGeom prst="rect">
-            <a:avLst/>
-          </a:prstGeom>
-          <a:solidFill>
-            <a:srgbClr val="201E1F"/>
-          </a:solidFill>
-          <a:ln>
-            <a:solidFill>
-              <a:srgbClr val="201E1F"/>
-            </a:solidFill>
-          </a:ln>
-        </p:spPr>
-        <p:style>
-          <a:lnRef idx="2">
-            <a:schemeClr val="accent1">
-              <a:shade val="15000"/>
-            </a:schemeClr>
-          </a:lnRef>
-          <a:fillRef idx="1">
-            <a:schemeClr val="accent1"/>
-          </a:fillRef>
-          <a:effectRef idx="0">
-            <a:schemeClr val="accent1"/>
-          </a:effectRef>
-          <a:fontRef idx="minor">
-            <a:schemeClr val="lt1"/>
-          </a:fontRef>
-        </p:style>
-        <p:txBody>
-          <a:bodyPr rtlCol="0" anchor="ctr"/>
-          <a:lstStyle/>
-          <a:p>
-            <a:pPr algn="ctr"/>
-            <a:endParaRPr lang="hu-HU"/>
-          </a:p>
-        </p:txBody>
-      </p:sp>
-      <p:sp>
-        <p:nvSpPr>
-          <p:cNvPr id="7" name="Téglalap 6">
-            <a:extLst>
-              <a:ext uri="{FF2B5EF4-FFF2-40B4-BE49-F238E27FC236}">
-                <a16:creationId xmlns:a16="http://schemas.microsoft.com/office/drawing/2014/main" id="{F8379A31-8A87-6C6A-D7F4-CE0AF61E91E7}"/>
-              </a:ext>
-            </a:extLst>
-          </p:cNvPr>
-          <p:cNvSpPr/>
-          <p:nvPr/>
-        </p:nvSpPr>
-        <p:spPr>
-          <a:xfrm>
-            <a:off x="1524000" y="6546027"/>
-            <a:ext cx="9059332" cy="376295"/>
-          </a:xfrm>
-          <a:prstGeom prst="rect">
-            <a:avLst/>
-          </a:prstGeom>
-          <a:solidFill>
-            <a:srgbClr val="201E1F"/>
-          </a:solidFill>
-          <a:ln>
-            <a:solidFill>
-              <a:srgbClr val="201E1F"/>
-            </a:solidFill>
-          </a:ln>
-        </p:spPr>
-        <p:style>
-          <a:lnRef idx="2">
-            <a:schemeClr val="accent1">
-              <a:shade val="15000"/>
-            </a:schemeClr>
-          </a:lnRef>
-          <a:fillRef idx="1">
-            <a:schemeClr val="accent1"/>
-          </a:fillRef>
-          <a:effectRef idx="0">
-            <a:schemeClr val="accent1"/>
-          </a:effectRef>
-          <a:fontRef idx="minor">
-            <a:schemeClr val="lt1"/>
-          </a:fontRef>
-        </p:style>
-        <p:txBody>
-          <a:bodyPr rtlCol="0" anchor="ctr"/>
-          <a:lstStyle/>
-          <a:p>
-            <a:pPr algn="ctr"/>
-            <a:endParaRPr lang="hu-HU"/>
-          </a:p>
-        </p:txBody>
-      </p:sp>
-    </p:spTree>
-    <p:extLst>
-      <p:ext uri="{BB962C8B-B14F-4D97-AF65-F5344CB8AC3E}">
-        <p14:creationId xmlns:p14="http://schemas.microsoft.com/office/powerpoint/2010/main" val="896533812"/>
-      </p:ext>
-    </p:extLst>
-  </p:cSld>
-  <p:clrMapOvr>
-    <a:masterClrMapping/>
-  </p:clrMapOvr>
-  <p:transition spd="slow">
-    <p:push dir="u"/>
-  </p:transition>
-</p:sld>
-</file>
-
 <file path=ppt/slides/slide7.xml><?xml version="1.0" encoding="utf-8"?>
 <p:sld xmlns:a="http://schemas.openxmlformats.org/drawingml/2006/main" xmlns:r="http://schemas.openxmlformats.org/officeDocument/2006/relationships" xmlns:p="http://schemas.openxmlformats.org/presentationml/2006/main">
   <p:cSld>
@@ -7618,8 +7854,8 @@
         </p:nvSpPr>
         <p:spPr>
           <a:xfrm>
-            <a:off x="1705970" y="681037"/>
-            <a:ext cx="8734567" cy="1009651"/>
+            <a:off x="3972920" y="681037"/>
+            <a:ext cx="6467617" cy="1028701"/>
           </a:xfrm>
         </p:spPr>
         <p:txBody>
@@ -7654,8 +7890,8 @@
         </p:nvSpPr>
         <p:spPr>
           <a:xfrm>
-            <a:off x="1705970" y="1825625"/>
-            <a:ext cx="8734567" cy="4220333"/>
+            <a:off x="3972920" y="1825625"/>
+            <a:ext cx="6467617" cy="4220333"/>
           </a:xfrm>
         </p:spPr>
         <p:txBody>
